--- a/Xamarin/CodeMash2014/Xamarin.pptx
+++ b/Xamarin/CodeMash2014/Xamarin.pptx
@@ -119,6 +119,11 @@
       </a:defRPr>
     </a:lvl9pPr>
   </p:defaultTextStyle>
+  <p:extLst>
+    <p:ext uri="{EFAFB233-063F-42B5-8137-9DF3F51BA10A}">
+      <p15:sldGuideLst xmlns:p15="http://schemas.microsoft.com/office/powerpoint/2012/main"/>
+    </p:ext>
+  </p:extLst>
 </p:presentation>
 </file>
 
@@ -881,6 +886,112 @@
 </file>
 
 <file path=ppt/notesSlides/notesSlide4.xml><?xml version="1.0" encoding="utf-8"?>
+<p:notes xmlns:a="http://schemas.openxmlformats.org/drawingml/2006/main" xmlns:r="http://schemas.openxmlformats.org/officeDocument/2006/relationships" xmlns:p="http://schemas.openxmlformats.org/presentationml/2006/main">
+  <p:cSld>
+    <p:spTree>
+      <p:nvGrpSpPr>
+        <p:cNvPr id="1" name=""/>
+        <p:cNvGrpSpPr/>
+        <p:nvPr/>
+      </p:nvGrpSpPr>
+      <p:grpSpPr>
+        <a:xfrm>
+          <a:off x="0" y="0"/>
+          <a:ext cx="0" cy="0"/>
+          <a:chOff x="0" y="0"/>
+          <a:chExt cx="0" cy="0"/>
+        </a:xfrm>
+      </p:grpSpPr>
+      <p:sp>
+        <p:nvSpPr>
+          <p:cNvPr id="2" name="Slide Image Placeholder 1"/>
+          <p:cNvSpPr>
+            <a:spLocks noGrp="1" noRot="1" noChangeAspect="1"/>
+          </p:cNvSpPr>
+          <p:nvPr>
+            <p:ph type="sldImg"/>
+          </p:nvPr>
+        </p:nvSpPr>
+        <p:spPr/>
+      </p:sp>
+      <p:sp>
+        <p:nvSpPr>
+          <p:cNvPr id="3" name="Notes Placeholder 2"/>
+          <p:cNvSpPr>
+            <a:spLocks noGrp="1"/>
+          </p:cNvSpPr>
+          <p:nvPr>
+            <p:ph type="body" idx="1"/>
+          </p:nvPr>
+        </p:nvSpPr>
+        <p:spPr/>
+        <p:txBody>
+          <a:bodyPr/>
+          <a:lstStyle/>
+          <a:p>
+            <a:r>
+              <a:rPr lang="en-US" dirty="0" smtClean="0"/>
+              <a:t>Reverse list</a:t>
+            </a:r>
+          </a:p>
+          <a:p>
+            <a:endParaRPr lang="en-US" dirty="0" smtClean="0"/>
+          </a:p>
+          <a:p>
+            <a:endParaRPr lang="en-US" dirty="0" smtClean="0"/>
+          </a:p>
+          <a:p>
+            <a:r>
+              <a:rPr lang="en-US" dirty="0" smtClean="0"/>
+              <a:t>Strengths</a:t>
+            </a:r>
+            <a:r>
+              <a:rPr lang="en-US" baseline="0" dirty="0" smtClean="0"/>
+              <a:t> &amp; Challenges slide</a:t>
+            </a:r>
+          </a:p>
+          <a:p>
+            <a:endParaRPr lang="en-US" dirty="0"/>
+          </a:p>
+        </p:txBody>
+      </p:sp>
+      <p:sp>
+        <p:nvSpPr>
+          <p:cNvPr id="4" name="Slide Number Placeholder 3"/>
+          <p:cNvSpPr>
+            <a:spLocks noGrp="1"/>
+          </p:cNvSpPr>
+          <p:nvPr>
+            <p:ph type="sldNum" sz="quarter" idx="10"/>
+          </p:nvPr>
+        </p:nvSpPr>
+        <p:spPr/>
+        <p:txBody>
+          <a:bodyPr/>
+          <a:lstStyle/>
+          <a:p>
+            <a:fld id="{90902F50-2B9E-414C-BB67-5EA98AE85756}" type="slidenum">
+              <a:rPr lang="en-US" smtClean="0"/>
+              <a:t>10</a:t>
+            </a:fld>
+            <a:endParaRPr lang="en-US"/>
+          </a:p>
+        </p:txBody>
+      </p:sp>
+    </p:spTree>
+    <p:extLst>
+      <p:ext uri="{BB962C8B-B14F-4D97-AF65-F5344CB8AC3E}">
+        <p14:creationId xmlns:p14="http://schemas.microsoft.com/office/powerpoint/2010/main" val="3564366614"/>
+      </p:ext>
+    </p:extLst>
+  </p:cSld>
+  <p:clrMapOvr>
+    <a:masterClrMapping/>
+  </p:clrMapOvr>
+</p:notes>
+</file>
+
+<file path=ppt/notesSlides/notesSlide5.xml><?xml version="1.0" encoding="utf-8"?>
 <p:notes xmlns:a="http://schemas.openxmlformats.org/drawingml/2006/main" xmlns:r="http://schemas.openxmlformats.org/officeDocument/2006/relationships" xmlns:p="http://schemas.openxmlformats.org/presentationml/2006/main">
   <p:cSld>
     <p:spTree>
@@ -7832,13 +7943,18 @@
           <a:p>
             <a:pPr lvl="2"/>
             <a:r>
-              <a:rPr lang="en-US" dirty="0" err="1" smtClean="0"/>
-              <a:t>Droppbox</a:t>
-            </a:r>
-            <a:r>
               <a:rPr lang="en-US" dirty="0" smtClean="0"/>
-              <a:t> sync</a:t>
-            </a:r>
+              <a:t>Dropbox </a:t>
+            </a:r>
+            <a:r>
+              <a:rPr lang="en-US" dirty="0"/>
+              <a:t>S</a:t>
+            </a:r>
+            <a:r>
+              <a:rPr lang="en-US" dirty="0" smtClean="0"/>
+              <a:t>ync</a:t>
+            </a:r>
+            <a:endParaRPr lang="en-US" dirty="0" smtClean="0"/>
           </a:p>
           <a:p>
             <a:pPr lvl="2"/>

--- a/Xamarin/CodeMash2014/Xamarin.pptx
+++ b/Xamarin/CodeMash2014/Xamarin.pptx
@@ -5,7 +5,7 @@
     <p:sldMasterId id="2147483648" r:id="rId1"/>
   </p:sldMasterIdLst>
   <p:notesMasterIdLst>
-    <p:notesMasterId r:id="rId15"/>
+    <p:notesMasterId r:id="rId16"/>
   </p:notesMasterIdLst>
   <p:sldIdLst>
     <p:sldId id="256" r:id="rId2"/>
@@ -21,6 +21,7 @@
     <p:sldId id="267" r:id="rId12"/>
     <p:sldId id="268" r:id="rId13"/>
     <p:sldId id="269" r:id="rId14"/>
+    <p:sldId id="270" r:id="rId15"/>
   </p:sldIdLst>
   <p:sldSz cx="12192000" cy="6858000"/>
   <p:notesSz cx="6858000" cy="9144000"/>
@@ -534,12 +535,8 @@
           <a:p>
             <a:pPr lvl="0"/>
             <a:r>
-              <a:rPr lang="en-US" dirty="0" err="1" smtClean="0"/>
-              <a:t>iOS</a:t>
-            </a:r>
-            <a:r>
               <a:rPr lang="en-US" dirty="0" smtClean="0"/>
-              <a:t> requires network connection to Mac</a:t>
+              <a:t>iOS requires network connection to Mac</a:t>
             </a:r>
           </a:p>
           <a:p>
@@ -553,15 +550,7 @@
             </a:r>
             <a:r>
               <a:rPr lang="en-US" dirty="0" smtClean="0"/>
-              <a:t> binding technology exposes all of the APIs available in </a:t>
-            </a:r>
-            <a:r>
-              <a:rPr lang="en-US" dirty="0" err="1" smtClean="0"/>
-              <a:t>iOS</a:t>
-            </a:r>
-            <a:r>
-              <a:rPr lang="en-US" dirty="0" smtClean="0"/>
-              <a:t> and Android to your applications as regular C# class libraries.</a:t>
+              <a:t> binding technology exposes all of the APIs available in iOS and Android to your applications as regular C# class libraries.</a:t>
             </a:r>
           </a:p>
           <a:p>
@@ -6790,7 +6779,7 @@
           <a:p>
             <a:r>
               <a:rPr lang="en-US" dirty="0" smtClean="0"/>
-              <a:t>Key Considerations</a:t>
+              <a:t>Strengths/Challenges</a:t>
             </a:r>
             <a:endParaRPr lang="en-US" dirty="0"/>
           </a:p>
@@ -6803,7 +6792,62 @@
             <a:spLocks noGrp="1"/>
           </p:cNvSpPr>
           <p:nvPr>
-            <p:ph idx="1"/>
+            <p:ph sz="half" idx="1"/>
+          </p:nvPr>
+        </p:nvSpPr>
+        <p:spPr/>
+        <p:txBody>
+          <a:bodyPr>
+            <a:normAutofit/>
+          </a:bodyPr>
+          <a:lstStyle/>
+          <a:p>
+            <a:pPr marL="0" indent="0" algn="ctr">
+              <a:buNone/>
+            </a:pPr>
+            <a:r>
+              <a:rPr lang="en-US" dirty="0" smtClean="0"/>
+              <a:t>Native App Experience</a:t>
+            </a:r>
+          </a:p>
+          <a:p>
+            <a:pPr marL="0" indent="0" algn="ctr">
+              <a:buNone/>
+            </a:pPr>
+            <a:r>
+              <a:rPr lang="en-US" dirty="0" smtClean="0"/>
+              <a:t>Performance</a:t>
+            </a:r>
+          </a:p>
+          <a:p>
+            <a:pPr marL="0" indent="0" algn="ctr">
+              <a:buNone/>
+            </a:pPr>
+            <a:r>
+              <a:rPr lang="en-US" dirty="0" smtClean="0"/>
+              <a:t>Maintainability</a:t>
+            </a:r>
+          </a:p>
+          <a:p>
+            <a:pPr marL="0" indent="0" algn="ctr">
+              <a:buNone/>
+            </a:pPr>
+            <a:r>
+              <a:rPr lang="en-US" dirty="0" smtClean="0"/>
+              <a:t>Testing</a:t>
+            </a:r>
+            <a:endParaRPr lang="en-US" dirty="0" smtClean="0"/>
+          </a:p>
+        </p:txBody>
+      </p:sp>
+      <p:sp>
+        <p:nvSpPr>
+          <p:cNvPr id="4" name="Content Placeholder 3"/>
+          <p:cNvSpPr>
+            <a:spLocks noGrp="1"/>
+          </p:cNvSpPr>
+          <p:nvPr>
+            <p:ph sz="half" idx="2"/>
           </p:nvPr>
         </p:nvSpPr>
         <p:spPr/>
@@ -6825,7 +6869,7 @@
             </a:pPr>
             <a:r>
               <a:rPr lang="en-US" dirty="0" smtClean="0"/>
-              <a:t>Performance</a:t>
+              <a:t>iOS Development</a:t>
             </a:r>
           </a:p>
           <a:p>
@@ -6834,17 +6878,13 @@
             </a:pPr>
             <a:r>
               <a:rPr lang="en-US" dirty="0" smtClean="0"/>
-              <a:t>Supported Platforms</a:t>
-            </a:r>
-          </a:p>
-          <a:p>
-            <a:pPr marL="0" indent="0" algn="ctr">
+              <a:t>Native UIs</a:t>
+            </a:r>
+          </a:p>
+          <a:p>
+            <a:pPr marL="0" indent="0">
               <a:buNone/>
             </a:pPr>
-            <a:r>
-              <a:rPr lang="en-US" dirty="0" smtClean="0"/>
-              <a:t>Native App Experience</a:t>
-            </a:r>
             <a:endParaRPr lang="en-US" dirty="0"/>
           </a:p>
         </p:txBody>
@@ -6907,8 +6947,12 @@
           <a:lstStyle/>
           <a:p>
             <a:r>
+              <a:rPr lang="en-US" sz="4800" dirty="0" smtClean="0"/>
+              <a:t>Questions</a:t>
+            </a:r>
+            <a:r>
               <a:rPr lang="en-US" dirty="0" smtClean="0"/>
-              <a:t>Questions?</a:t>
+              <a:t>?</a:t>
             </a:r>
             <a:endParaRPr lang="en-US" dirty="0"/>
           </a:p>
@@ -7126,6 +7170,154 @@
       </p:par>
     </p:tnLst>
   </p:timing>
+</p:sld>
+</file>
+
+<file path=ppt/slides/slide14.xml><?xml version="1.0" encoding="utf-8"?>
+<p:sld xmlns:a="http://schemas.openxmlformats.org/drawingml/2006/main" xmlns:r="http://schemas.openxmlformats.org/officeDocument/2006/relationships" xmlns:p="http://schemas.openxmlformats.org/presentationml/2006/main">
+  <p:cSld>
+    <p:spTree>
+      <p:nvGrpSpPr>
+        <p:cNvPr id="1" name=""/>
+        <p:cNvGrpSpPr/>
+        <p:nvPr/>
+      </p:nvGrpSpPr>
+      <p:grpSpPr>
+        <a:xfrm>
+          <a:off x="0" y="0"/>
+          <a:ext cx="0" cy="0"/>
+          <a:chOff x="0" y="0"/>
+          <a:chExt cx="0" cy="0"/>
+        </a:xfrm>
+      </p:grpSpPr>
+      <p:sp>
+        <p:nvSpPr>
+          <p:cNvPr id="2" name="Title 1"/>
+          <p:cNvSpPr>
+            <a:spLocks noGrp="1"/>
+          </p:cNvSpPr>
+          <p:nvPr>
+            <p:ph type="title"/>
+          </p:nvPr>
+        </p:nvSpPr>
+        <p:spPr/>
+        <p:txBody>
+          <a:bodyPr/>
+          <a:lstStyle/>
+          <a:p>
+            <a:r>
+              <a:rPr lang="en-US" dirty="0" smtClean="0"/>
+              <a:t>Xamarin Pricing</a:t>
+            </a:r>
+            <a:endParaRPr lang="en-US" dirty="0"/>
+          </a:p>
+        </p:txBody>
+      </p:sp>
+      <p:sp>
+        <p:nvSpPr>
+          <p:cNvPr id="3" name="Content Placeholder 2"/>
+          <p:cNvSpPr>
+            <a:spLocks noGrp="1"/>
+          </p:cNvSpPr>
+          <p:nvPr>
+            <p:ph idx="1"/>
+          </p:nvPr>
+        </p:nvSpPr>
+        <p:spPr/>
+        <p:txBody>
+          <a:bodyPr>
+            <a:normAutofit fontScale="92500" lnSpcReduction="10000"/>
+          </a:bodyPr>
+          <a:lstStyle/>
+          <a:p>
+            <a:r>
+              <a:rPr lang="en-US" dirty="0" smtClean="0"/>
+              <a:t> Starter – Free</a:t>
+            </a:r>
+          </a:p>
+          <a:p>
+            <a:pPr lvl="1"/>
+            <a:r>
+              <a:rPr lang="en-US" dirty="0" smtClean="0"/>
+              <a:t>Small Apps – Cannot P/Invoke third-party libraries</a:t>
+            </a:r>
+          </a:p>
+          <a:p>
+            <a:r>
+              <a:rPr lang="en-US" dirty="0" smtClean="0"/>
+              <a:t>Indie - $299  </a:t>
+            </a:r>
+            <a:r>
+              <a:rPr lang="en-US" dirty="0" err="1" smtClean="0"/>
+              <a:t>dev</a:t>
+            </a:r>
+            <a:r>
+              <a:rPr lang="en-US" dirty="0" smtClean="0"/>
+              <a:t>/year</a:t>
+            </a:r>
+          </a:p>
+          <a:p>
+            <a:pPr lvl="1"/>
+            <a:r>
+              <a:rPr lang="en-US" dirty="0" smtClean="0"/>
+              <a:t>Unlimited app Size</a:t>
+            </a:r>
+          </a:p>
+          <a:p>
+            <a:r>
+              <a:rPr lang="en-US" dirty="0" smtClean="0"/>
+              <a:t>Business - $999 </a:t>
+            </a:r>
+            <a:r>
+              <a:rPr lang="en-US" dirty="0" err="1" smtClean="0"/>
+              <a:t>dev</a:t>
+            </a:r>
+            <a:r>
+              <a:rPr lang="en-US" dirty="0" smtClean="0"/>
+              <a:t>/year</a:t>
+            </a:r>
+          </a:p>
+          <a:p>
+            <a:pPr lvl="1"/>
+            <a:r>
+              <a:rPr lang="en-US" dirty="0" smtClean="0"/>
+              <a:t>Visual Studio Integration, Headless builds</a:t>
+            </a:r>
+          </a:p>
+          <a:p>
+            <a:r>
+              <a:rPr lang="en-US" dirty="0" smtClean="0"/>
+              <a:t>Enterprise - $1899 </a:t>
+            </a:r>
+            <a:r>
+              <a:rPr lang="en-US" dirty="0" err="1" smtClean="0"/>
+              <a:t>dev</a:t>
+            </a:r>
+            <a:r>
+              <a:rPr lang="en-US" dirty="0" smtClean="0"/>
+              <a:t>/year</a:t>
+            </a:r>
+          </a:p>
+          <a:p>
+            <a:pPr lvl="1"/>
+            <a:r>
+              <a:rPr lang="en-US" dirty="0" smtClean="0"/>
+              <a:t>Support from Xamarin, prime components</a:t>
+            </a:r>
+            <a:endParaRPr lang="en-US" dirty="0"/>
+          </a:p>
+        </p:txBody>
+      </p:sp>
+    </p:spTree>
+    <p:extLst>
+      <p:ext uri="{BB962C8B-B14F-4D97-AF65-F5344CB8AC3E}">
+        <p14:creationId xmlns:p14="http://schemas.microsoft.com/office/powerpoint/2010/main" val="2233288638"/>
+      </p:ext>
+    </p:extLst>
+  </p:cSld>
+  <p:clrMapOvr>
+    <a:masterClrMapping/>
+  </p:clrMapOvr>
 </p:sld>
 </file>
 
@@ -7399,9 +7591,18 @@
         <p:spPr/>
         <p:txBody>
           <a:bodyPr>
-            <a:normAutofit lnSpcReduction="10000"/>
+            <a:normAutofit/>
           </a:bodyPr>
           <a:lstStyle/>
+          <a:p>
+            <a:pPr marL="0" indent="0" algn="ctr">
+              <a:buNone/>
+            </a:pPr>
+            <a:r>
+              <a:rPr lang="en-US" dirty="0"/>
+              <a:t>Xamarin</a:t>
+            </a:r>
+          </a:p>
           <a:p>
             <a:pPr marL="0" indent="0" algn="ctr">
               <a:buNone/>
@@ -7417,28 +7618,10 @@
               <a:buNone/>
             </a:pPr>
             <a:r>
-              <a:rPr lang="en-US" dirty="0" smtClean="0"/>
-              <a:t>Xamarin</a:t>
-            </a:r>
-          </a:p>
-          <a:p>
-            <a:pPr marL="0" indent="0" algn="ctr">
-              <a:buNone/>
-            </a:pPr>
-            <a:r>
               <a:rPr lang="en-US" dirty="0" err="1" smtClean="0"/>
               <a:t>AppMobi</a:t>
             </a:r>
             <a:endParaRPr lang="en-US" dirty="0" smtClean="0"/>
-          </a:p>
-          <a:p>
-            <a:pPr marL="0" indent="0" algn="ctr">
-              <a:buNone/>
-            </a:pPr>
-            <a:r>
-              <a:rPr lang="en-US" dirty="0" smtClean="0"/>
-              <a:t>Unity</a:t>
-            </a:r>
           </a:p>
           <a:p>
             <a:pPr marL="0" indent="0" algn="ctr">
@@ -7611,13 +7794,13 @@
         </p:nvSpPr>
         <p:spPr>
           <a:xfrm>
-            <a:off x="1295401" y="2556931"/>
+            <a:off x="940559" y="2556931"/>
             <a:ext cx="4381499" cy="3240753"/>
           </a:xfrm>
         </p:spPr>
         <p:txBody>
           <a:bodyPr>
-            <a:normAutofit fontScale="85000" lnSpcReduction="10000"/>
+            <a:normAutofit lnSpcReduction="10000"/>
           </a:bodyPr>
           <a:lstStyle/>
           <a:p>
@@ -7653,33 +7836,13 @@
             </a:r>
           </a:p>
           <a:p>
-            <a:r>
-              <a:rPr lang="en-US" dirty="0" smtClean="0"/>
-              <a:t>Multiple ways to use:</a:t>
-            </a:r>
-          </a:p>
-          <a:p>
-            <a:pPr lvl="1"/>
-            <a:r>
-              <a:rPr lang="en-US" dirty="0" smtClean="0"/>
-              <a:t>Xamarin Studio</a:t>
-            </a:r>
-          </a:p>
-          <a:p>
-            <a:pPr lvl="1"/>
-            <a:r>
-              <a:rPr lang="en-US" dirty="0" smtClean="0"/>
-              <a:t>Visual Studio</a:t>
-            </a:r>
-          </a:p>
-          <a:p>
             <a:endParaRPr lang="en-US" dirty="0"/>
           </a:p>
         </p:txBody>
       </p:sp>
       <p:pic>
         <p:nvPicPr>
-          <p:cNvPr id="9" name="Picture 8"/>
+          <p:cNvPr id="5" name="Picture 4"/>
           <p:cNvPicPr>
             <a:picLocks noChangeAspect="1"/>
           </p:cNvPicPr>
@@ -7699,8 +7862,8 @@
         </p:blipFill>
         <p:spPr>
           <a:xfrm>
-            <a:off x="5838541" y="2556932"/>
-            <a:ext cx="4962809" cy="2205568"/>
+            <a:off x="5322058" y="2556931"/>
+            <a:ext cx="6251243" cy="2476500"/>
           </a:xfrm>
           <a:prstGeom prst="rect">
             <a:avLst/>
@@ -7954,7 +8117,6 @@
               <a:rPr lang="en-US" dirty="0" smtClean="0"/>
               <a:t>ync</a:t>
             </a:r>
-            <a:endParaRPr lang="en-US" dirty="0" smtClean="0"/>
           </a:p>
           <a:p>
             <a:pPr lvl="2"/>
